--- a/Documents/project_proposal_FINAL.pptx
+++ b/Documents/project_proposal_FINAL.pptx
@@ -124,6 +124,7 @@
 <p1510:revInfo xmlns:a="http://schemas.openxmlformats.org/drawingml/2006/main" xmlns:r="http://schemas.openxmlformats.org/officeDocument/2006/relationships" xmlns:p1510="http://schemas.microsoft.com/office/powerpoint/2015/10/main">
   <p1510:revLst>
     <p1510:client id="{B8E70F94-FB69-4B12-8876-449EF236D06D}" v="629" dt="2018-09-21T15:24:09.555"/>
+    <p1510:client id="{0F76DFC5-5209-4005-88D1-76385119D29E}" v="22" dt="2018-09-21T16:45:59.138"/>
   </p1510:revLst>
 </p1510:revInfo>
 </file>
@@ -711,6 +712,75 @@
       </pc:sldChg>
     </pc:docChg>
   </pc:docChgLst>
+  <pc:docChgLst>
+    <pc:chgData name="Horia Petre" userId="a27f21c445ea404d" providerId="LiveId" clId="{0F76DFC5-5209-4005-88D1-76385119D29E}"/>
+    <pc:docChg chg="custSel modSld">
+      <pc:chgData name="Horia Petre" userId="a27f21c445ea404d" providerId="LiveId" clId="{0F76DFC5-5209-4005-88D1-76385119D29E}" dt="2018-09-21T16:45:59.138" v="21" actId="5793"/>
+      <pc:docMkLst>
+        <pc:docMk/>
+      </pc:docMkLst>
+      <pc:sldChg chg="modSp">
+        <pc:chgData name="Horia Petre" userId="a27f21c445ea404d" providerId="LiveId" clId="{0F76DFC5-5209-4005-88D1-76385119D29E}" dt="2018-09-21T16:44:15.001" v="18" actId="20577"/>
+        <pc:sldMkLst>
+          <pc:docMk/>
+          <pc:sldMk cId="524301195" sldId="257"/>
+        </pc:sldMkLst>
+        <pc:spChg chg="mod">
+          <ac:chgData name="Horia Petre" userId="a27f21c445ea404d" providerId="LiveId" clId="{0F76DFC5-5209-4005-88D1-76385119D29E}" dt="2018-09-21T16:44:15.001" v="18" actId="20577"/>
+          <ac:spMkLst>
+            <pc:docMk/>
+            <pc:sldMk cId="524301195" sldId="257"/>
+            <ac:spMk id="3" creationId="{7BF294F7-009C-49C8-B0B5-0A8E6EA8BD53}"/>
+          </ac:spMkLst>
+        </pc:spChg>
+      </pc:sldChg>
+      <pc:sldChg chg="modSp">
+        <pc:chgData name="Horia Petre" userId="a27f21c445ea404d" providerId="LiveId" clId="{0F76DFC5-5209-4005-88D1-76385119D29E}" dt="2018-09-21T16:42:14.585" v="17" actId="20577"/>
+        <pc:sldMkLst>
+          <pc:docMk/>
+          <pc:sldMk cId="676945300" sldId="259"/>
+        </pc:sldMkLst>
+        <pc:spChg chg="mod">
+          <ac:chgData name="Horia Petre" userId="a27f21c445ea404d" providerId="LiveId" clId="{0F76DFC5-5209-4005-88D1-76385119D29E}" dt="2018-09-21T16:42:14.585" v="17" actId="20577"/>
+          <ac:spMkLst>
+            <pc:docMk/>
+            <pc:sldMk cId="676945300" sldId="259"/>
+            <ac:spMk id="8" creationId="{9807F76D-6FEE-42A1-871D-24E624CAF26F}"/>
+          </ac:spMkLst>
+        </pc:spChg>
+      </pc:sldChg>
+      <pc:sldChg chg="modSp">
+        <pc:chgData name="Horia Petre" userId="a27f21c445ea404d" providerId="LiveId" clId="{0F76DFC5-5209-4005-88D1-76385119D29E}" dt="2018-09-21T16:45:53.462" v="20" actId="5793"/>
+        <pc:sldMkLst>
+          <pc:docMk/>
+          <pc:sldMk cId="3913583972" sldId="263"/>
+        </pc:sldMkLst>
+        <pc:spChg chg="mod">
+          <ac:chgData name="Horia Petre" userId="a27f21c445ea404d" providerId="LiveId" clId="{0F76DFC5-5209-4005-88D1-76385119D29E}" dt="2018-09-21T16:45:53.462" v="20" actId="5793"/>
+          <ac:spMkLst>
+            <pc:docMk/>
+            <pc:sldMk cId="3913583972" sldId="263"/>
+            <ac:spMk id="3" creationId="{49939CF4-6CE2-4FE5-B4C5-1F42133A5AFD}"/>
+          </ac:spMkLst>
+        </pc:spChg>
+      </pc:sldChg>
+      <pc:sldChg chg="modSp">
+        <pc:chgData name="Horia Petre" userId="a27f21c445ea404d" providerId="LiveId" clId="{0F76DFC5-5209-4005-88D1-76385119D29E}" dt="2018-09-21T16:45:59.138" v="21" actId="5793"/>
+        <pc:sldMkLst>
+          <pc:docMk/>
+          <pc:sldMk cId="1096990955" sldId="264"/>
+        </pc:sldMkLst>
+        <pc:spChg chg="mod">
+          <ac:chgData name="Horia Petre" userId="a27f21c445ea404d" providerId="LiveId" clId="{0F76DFC5-5209-4005-88D1-76385119D29E}" dt="2018-09-21T16:45:59.138" v="21" actId="5793"/>
+          <ac:spMkLst>
+            <pc:docMk/>
+            <pc:sldMk cId="1096990955" sldId="264"/>
+            <ac:spMk id="3" creationId="{49939CF4-6CE2-4FE5-B4C5-1F42133A5AFD}"/>
+          </ac:spMkLst>
+        </pc:spChg>
+      </pc:sldChg>
+    </pc:docChg>
+  </pc:docChgLst>
 </pc:chgInfo>
 </file>
 
@@ -4478,7 +4548,7 @@
         <p:spPr/>
         <p:txBody>
           <a:bodyPr>
-            <a:normAutofit/>
+            <a:normAutofit lnSpcReduction="10000"/>
           </a:bodyPr>
           <a:lstStyle/>
           <a:p>
@@ -4488,7 +4558,7 @@
             </a:pPr>
             <a:r>
               <a:rPr lang="en-CA" dirty="0"/>
-              <a:t> Goal Statement</a:t>
+              <a:t>Goal Statement</a:t>
             </a:r>
           </a:p>
           <a:p>
@@ -4506,6 +4576,23 @@
             <a:r>
               <a:rPr lang="en-CA" dirty="0"/>
               <a:t>Functional Specification</a:t>
+            </a:r>
+          </a:p>
+          <a:p>
+            <a:pPr>
+              <a:buFont typeface="Wingdings" panose="05000000000000000000" pitchFamily="2" charset="2"/>
+              <a:buChar char="Ø"/>
+            </a:pPr>
+            <a:endParaRPr lang="en-CA" dirty="0"/>
+          </a:p>
+          <a:p>
+            <a:pPr>
+              <a:buFont typeface="Wingdings" panose="05000000000000000000" pitchFamily="2" charset="2"/>
+              <a:buChar char="Ø"/>
+            </a:pPr>
+            <a:r>
+              <a:rPr lang="en-CA" dirty="0"/>
+              <a:t>System Modules</a:t>
             </a:r>
           </a:p>
           <a:p>
@@ -5022,20 +5109,6 @@
           <a:p>
             <a:pPr algn="ctr"/>
             <a:endParaRPr lang="en-CA" sz="1600" dirty="0"/>
-          </a:p>
-          <a:p>
-            <a:pPr algn="ctr"/>
-            <a:r>
-              <a:rPr lang="en-CA" sz="1600" dirty="0"/>
-              <a:t>Internal to ARM</a:t>
-            </a:r>
-          </a:p>
-          <a:p>
-            <a:pPr algn="ctr"/>
-            <a:r>
-              <a:rPr lang="en-CA" sz="1600" dirty="0"/>
-              <a:t>External to ARM</a:t>
-            </a:r>
           </a:p>
         </p:txBody>
       </p:sp>
@@ -5644,6 +5717,9 @@
           </a:bodyPr>
           <a:lstStyle/>
           <a:p>
+            <a:pPr marL="0" indent="0">
+              <a:buNone/>
+            </a:pPr>
             <a:r>
               <a:rPr lang="en-CA" b="1" dirty="0"/>
               <a:t>Balance module</a:t>
@@ -5687,6 +5763,9 @@
             <a:endParaRPr lang="en-CA" dirty="0"/>
           </a:p>
           <a:p>
+            <a:pPr marL="0" indent="0">
+              <a:buNone/>
+            </a:pPr>
             <a:r>
               <a:rPr lang="en-CA" b="1" dirty="0"/>
               <a:t>Obstacle detection module</a:t>
@@ -5817,6 +5896,9 @@
           <a:bodyPr/>
           <a:lstStyle/>
           <a:p>
+            <a:pPr marL="0" indent="0">
+              <a:buNone/>
+            </a:pPr>
             <a:r>
               <a:rPr lang="en-CA" b="1" dirty="0"/>
               <a:t>Motor Drive module</a:t>
